--- a/Docs/TIU_Tracking_Poster_v8.pptx
+++ b/Docs/TIU_Tracking_Poster_v8.pptx
@@ -263,19 +263,19 @@
                   <c:v>5.7647366349139375</c:v>
                 </c:pt>
                 <c:pt idx="2">
-                  <c:v>5.6505872015054734</c:v>
+                  <c:v>5.6505872015054708</c:v>
                 </c:pt>
                 <c:pt idx="3">
                   <c:v>5.5386980783198174</c:v>
                 </c:pt>
                 <c:pt idx="4">
-                  <c:v>5.4290245082157478</c:v>
+                  <c:v>5.4290245082157469</c:v>
                 </c:pt>
                 <c:pt idx="5">
                   <c:v>5.3215226203029449</c:v>
                 </c:pt>
                 <c:pt idx="6">
-                  <c:v>5.2161494123928493</c:v>
+                  <c:v>5.2161494123928502</c:v>
                 </c:pt>
                 <c:pt idx="7">
                   <c:v>5.1128627337972681</c:v>
@@ -284,13 +284,13 @@
                   <c:v>5.011621268467632</c:v>
                 </c:pt>
                 <c:pt idx="9">
-                  <c:v>4.9123845184678796</c:v>
+                  <c:v>4.9123845184678787</c:v>
                 </c:pt>
                 <c:pt idx="10">
                   <c:v>4.8151127877748712</c:v>
                 </c:pt>
                 <c:pt idx="11">
-                  <c:v>4.7197671663993299</c:v>
+                  <c:v>4.7197671663993308</c:v>
                 </c:pt>
                 <c:pt idx="12">
                   <c:v>4.6263095148213971</c:v>
@@ -308,10 +308,10 @@
                   <c:v>4.2706219365756581</c:v>
                 </c:pt>
                 <c:pt idx="17">
-                  <c:v>4.1860579564261782</c:v>
+                  <c:v>4.1860579564261773</c:v>
                 </c:pt>
                 <c:pt idx="18">
-                  <c:v>4.1031684552741465</c:v>
+                  <c:v>4.1031684552741483</c:v>
                 </c:pt>
                 <c:pt idx="19">
                   <c:v>4.0219202762138355</c:v>
@@ -320,10 +320,10 @@
                   <c:v>3.9422809188903405</c:v>
                 </c:pt>
                 <c:pt idx="21">
-                  <c:v>3.8642185264988429</c:v>
+                  <c:v>3.8642185264988425</c:v>
                 </c:pt>
                 <c:pt idx="22">
-                  <c:v>3.7877018730415619</c:v>
+                  <c:v>3.7877018730415624</c:v>
                 </c:pt>
                 <c:pt idx="23">
                   <c:v>3.7127003508368448</c:v>
@@ -332,7 +332,7 @@
                   <c:v>3.6391839582758005</c:v>
                 </c:pt>
                 <c:pt idx="25">
-                  <c:v>3.567123287821174</c:v>
+                  <c:v>3.5671232878211749</c:v>
                 </c:pt>
                 <c:pt idx="26">
                   <c:v>3.4964895142439367</c:v>
@@ -351,11 +351,11 @@
           </c:yVal>
           <c:smooth val="1"/>
         </c:ser>
-        <c:axId val="73497984"/>
-        <c:axId val="73774592"/>
+        <c:axId val="48450560"/>
+        <c:axId val="50603136"/>
       </c:scatterChart>
       <c:valAx>
-        <c:axId val="73497984"/>
+        <c:axId val="48450560"/>
         <c:scaling>
           <c:orientation val="minMax"/>
         </c:scaling>
@@ -385,12 +385,12 @@
         </c:title>
         <c:numFmt formatCode="General" sourceLinked="1"/>
         <c:tickLblPos val="nextTo"/>
-        <c:crossAx val="73774592"/>
+        <c:crossAx val="50603136"/>
         <c:crosses val="autoZero"/>
         <c:crossBetween val="midCat"/>
       </c:valAx>
       <c:valAx>
-        <c:axId val="73774592"/>
+        <c:axId val="50603136"/>
         <c:scaling>
           <c:orientation val="minMax"/>
         </c:scaling>
@@ -417,7 +417,7 @@
         </c:title>
         <c:numFmt formatCode="General" sourceLinked="1"/>
         <c:tickLblPos val="nextTo"/>
-        <c:crossAx val="73497984"/>
+        <c:crossAx val="48450560"/>
         <c:crosses val="autoZero"/>
         <c:crossBetween val="midCat"/>
       </c:valAx>
@@ -3454,7 +3454,6 @@
             <a:schemeClr val="accent3">
               <a:lumMod val="20000"/>
               <a:lumOff val="80000"/>
-              <a:alpha val="70000"/>
             </a:schemeClr>
           </a:solidFill>
           <a:ln>
@@ -3947,14 +3946,7 @@
                 <a:ea typeface="Ebrima" pitchFamily="2" charset="0"/>
                 <a:cs typeface="Ebrima" pitchFamily="2" charset="0"/>
               </a:rPr>
-              <a:t>The </a:t>
-            </a:r>
-            <a:r>
-              <a:rPr lang="en-US" sz="3200" dirty="0" smtClean="0">
-                <a:ea typeface="Ebrima" pitchFamily="2" charset="0"/>
-                <a:cs typeface="Ebrima" pitchFamily="2" charset="0"/>
-              </a:rPr>
-              <a:t>accuracy of the tracking system needs to be enhanced  by considering antenna design and advanced locating algorithm. Noise filter can be implemented on both hardware and software to achieve desired performance.</a:t>
+              <a:t>The accuracy of the tracking system needs to be enhanced  by considering antenna design and advanced locating algorithm. Noise filter can be implemented on both hardware and software to achieve desired performance.</a:t>
             </a:r>
             <a:endParaRPr lang="en-US" dirty="0"/>
           </a:p>
@@ -4057,10 +4049,6 @@
               </a:rPr>
               <a:t> Cost</a:t>
             </a:r>
-            <a:endParaRPr lang="en-US" sz="3200" dirty="0" smtClean="0">
-              <a:ea typeface="Ebrima" pitchFamily="2" charset="0"/>
-              <a:cs typeface="Ebrima" pitchFamily="2" charset="0"/>
-            </a:endParaRPr>
           </a:p>
         </p:txBody>
       </p:sp>
@@ -4143,77 +4131,34 @@
                 <a:ea typeface="Ebrima" pitchFamily="2" charset="0"/>
                 <a:cs typeface="Ebrima" pitchFamily="2" charset="0"/>
               </a:rPr>
-              <a:t> RF12B </a:t>
-            </a:r>
+              <a:t> RF12B transceiver at 434MHz</a:t>
+            </a:r>
+          </a:p>
+          <a:p>
+            <a:pPr>
+              <a:buFont typeface="Arial" pitchFamily="34" charset="0"/>
+              <a:buChar char="•"/>
+            </a:pPr>
             <a:r>
               <a:rPr lang="en-US" sz="3200" dirty="0" smtClean="0">
                 <a:ea typeface="Ebrima" pitchFamily="2" charset="0"/>
                 <a:cs typeface="Ebrima" pitchFamily="2" charset="0"/>
               </a:rPr>
-              <a:t>transceiver at </a:t>
-            </a:r>
+              <a:t> 20mm coin cell battery</a:t>
+            </a:r>
+          </a:p>
+          <a:p>
+            <a:pPr>
+              <a:buFont typeface="Arial" pitchFamily="34" charset="0"/>
+              <a:buChar char="•"/>
+            </a:pPr>
             <a:r>
               <a:rPr lang="en-US" sz="3200" dirty="0" smtClean="0">
                 <a:ea typeface="Ebrima" pitchFamily="2" charset="0"/>
                 <a:cs typeface="Ebrima" pitchFamily="2" charset="0"/>
               </a:rPr>
-              <a:t>434MHz</a:t>
-            </a:r>
-            <a:endParaRPr lang="en-US" sz="3200" dirty="0" smtClean="0">
-              <a:ea typeface="Ebrima" pitchFamily="2" charset="0"/>
-              <a:cs typeface="Ebrima" pitchFamily="2" charset="0"/>
-            </a:endParaRPr>
-          </a:p>
-          <a:p>
-            <a:pPr>
-              <a:buFont typeface="Arial" pitchFamily="34" charset="0"/>
-              <a:buChar char="•"/>
-            </a:pPr>
-            <a:r>
-              <a:rPr lang="en-US" sz="3200" dirty="0" smtClean="0">
-                <a:ea typeface="Ebrima" pitchFamily="2" charset="0"/>
-                <a:cs typeface="Ebrima" pitchFamily="2" charset="0"/>
-              </a:rPr>
-              <a:t> 20mm </a:t>
-            </a:r>
-            <a:r>
-              <a:rPr lang="en-US" sz="3200" dirty="0" smtClean="0">
-                <a:ea typeface="Ebrima" pitchFamily="2" charset="0"/>
-                <a:cs typeface="Ebrima" pitchFamily="2" charset="0"/>
-              </a:rPr>
-              <a:t>coin cell battery</a:t>
-            </a:r>
-          </a:p>
-          <a:p>
-            <a:pPr>
-              <a:buFont typeface="Arial" pitchFamily="34" charset="0"/>
-              <a:buChar char="•"/>
-            </a:pPr>
-            <a:r>
-              <a:rPr lang="en-US" sz="3200" dirty="0" smtClean="0">
-                <a:ea typeface="Ebrima" pitchFamily="2" charset="0"/>
-                <a:cs typeface="Ebrima" pitchFamily="2" charset="0"/>
-              </a:rPr>
-              <a:t> Battery life: </a:t>
-            </a:r>
-            <a:r>
-              <a:rPr lang="en-US" sz="3200" dirty="0" smtClean="0">
-                <a:ea typeface="Ebrima" pitchFamily="2" charset="0"/>
-                <a:cs typeface="Ebrima" pitchFamily="2" charset="0"/>
-              </a:rPr>
-              <a:t>3 </a:t>
-            </a:r>
-            <a:r>
-              <a:rPr lang="en-US" sz="3200" dirty="0" smtClean="0">
-                <a:ea typeface="Ebrima" pitchFamily="2" charset="0"/>
-                <a:cs typeface="Ebrima" pitchFamily="2" charset="0"/>
-              </a:rPr>
-              <a:t>months  </a:t>
-            </a:r>
-            <a:endParaRPr lang="en-US" sz="3200" dirty="0" smtClean="0">
-              <a:ea typeface="Ebrima" pitchFamily="2" charset="0"/>
-              <a:cs typeface="Ebrima" pitchFamily="2" charset="0"/>
-            </a:endParaRPr>
+              <a:t> Battery life: 3 months  </a:t>
+            </a:r>
           </a:p>
           <a:p>
             <a:pPr>
@@ -4227,10 +4172,6 @@
               </a:rPr>
               <a:t> Cost </a:t>
             </a:r>
-            <a:endParaRPr lang="en-US" sz="3200" dirty="0" smtClean="0">
-              <a:ea typeface="Ebrima" pitchFamily="2" charset="0"/>
-              <a:cs typeface="Ebrima" pitchFamily="2" charset="0"/>
-            </a:endParaRPr>
           </a:p>
         </p:txBody>
       </p:sp>
@@ -4465,10 +4406,10 @@
         </p:nvGrpSpPr>
         <p:grpSpPr>
           <a:xfrm>
-            <a:off x="21717000" y="14859000"/>
-            <a:ext cx="7315200" cy="16065937"/>
+            <a:off x="21717000" y="14858997"/>
+            <a:ext cx="7589520" cy="16065935"/>
             <a:chOff x="21214080" y="16454249"/>
-            <a:chExt cx="7315200" cy="12975314"/>
+            <a:chExt cx="7589520" cy="12975314"/>
           </a:xfrm>
         </p:grpSpPr>
         <p:sp>
@@ -4479,7 +4420,7 @@
           </p:nvSpPr>
           <p:spPr>
             <a:xfrm>
-              <a:off x="21214080" y="22079230"/>
+              <a:off x="21214080" y="22079232"/>
               <a:ext cx="7315200" cy="546852"/>
             </a:xfrm>
             <a:prstGeom prst="rect">
@@ -4509,7 +4450,7 @@
           <p:spPr>
             <a:xfrm>
               <a:off x="21214080" y="16454249"/>
-              <a:ext cx="7239000" cy="12975314"/>
+              <a:ext cx="7589520" cy="12975314"/>
             </a:xfrm>
             <a:prstGeom prst="rect">
               <a:avLst/>
@@ -4611,7 +4552,7 @@
               </a:r>
             </a:p>
             <a:p>
-              <a:pPr marL="225425" indent="-225425" algn="just">
+              <a:pPr marL="225425" indent="-225425">
                 <a:buFont typeface="Arial" pitchFamily="34" charset="0"/>
                 <a:buChar char="•"/>
               </a:pPr>
@@ -4624,7 +4565,7 @@
               </a:r>
             </a:p>
             <a:p>
-              <a:pPr marL="225425" indent="-225425" algn="just">
+              <a:pPr marL="225425" indent="-225425">
                 <a:buFont typeface="Arial" pitchFamily="34" charset="0"/>
                 <a:buChar char="•"/>
               </a:pPr>
@@ -4791,9 +4732,9 @@
         <p:grpSpPr>
           <a:xfrm>
             <a:off x="13335000" y="14630400"/>
-            <a:ext cx="7924800" cy="11694795"/>
+            <a:ext cx="7620000" cy="11694795"/>
             <a:chOff x="13990320" y="15484733"/>
-            <a:chExt cx="9826752" cy="11694795"/>
+            <a:chExt cx="9448800" cy="11694795"/>
           </a:xfrm>
         </p:grpSpPr>
         <p:sp>
@@ -4862,7 +4803,7 @@
           <p:spPr>
             <a:xfrm>
               <a:off x="13990320" y="16530459"/>
-              <a:ext cx="9826752" cy="10649069"/>
+              <a:ext cx="9411004" cy="10649069"/>
             </a:xfrm>
             <a:prstGeom prst="rect">
               <a:avLst/>
@@ -4883,17 +4824,7 @@
                   <a:ea typeface="Ebrima" pitchFamily="2" charset="0"/>
                   <a:cs typeface="Ebrima" pitchFamily="2" charset="0"/>
                 </a:rPr>
-                <a:t>Front </a:t>
-              </a:r>
-              <a:r>
-                <a:rPr lang="en-US" sz="4000" b="1" dirty="0" smtClean="0">
-                  <a:solidFill>
-                    <a:schemeClr val="accent1"/>
-                  </a:solidFill>
-                  <a:ea typeface="Ebrima" pitchFamily="2" charset="0"/>
-                  <a:cs typeface="Ebrima" pitchFamily="2" charset="0"/>
-                </a:rPr>
-                <a:t>End Network</a:t>
+                <a:t>Front End Network</a:t>
               </a:r>
             </a:p>
             <a:p>
@@ -4904,13 +4835,9 @@
                 </a:rPr>
                 <a:t>Tags</a:t>
               </a:r>
-              <a:endParaRPr lang="en-US" sz="3200" b="1" dirty="0" smtClean="0">
-                <a:ea typeface="Ebrima" pitchFamily="2" charset="0"/>
-                <a:cs typeface="Ebrima" pitchFamily="2" charset="0"/>
-              </a:endParaRPr>
             </a:p>
             <a:p>
-              <a:pPr>
+              <a:pPr marL="228600" indent="-228600">
                 <a:buFont typeface="Arial" pitchFamily="34" charset="0"/>
                 <a:buChar char="•"/>
               </a:pPr>
@@ -4923,7 +4850,7 @@
               </a:r>
             </a:p>
             <a:p>
-              <a:pPr>
+              <a:pPr marL="228600" indent="-228600">
                 <a:buFont typeface="Arial" pitchFamily="34" charset="0"/>
                 <a:buChar char="•"/>
               </a:pPr>
@@ -4936,7 +4863,7 @@
               </a:r>
             </a:p>
             <a:p>
-              <a:pPr>
+              <a:pPr marL="228600" indent="-228600">
                 <a:buFont typeface="Arial" pitchFamily="34" charset="0"/>
                 <a:buChar char="•"/>
               </a:pPr>
@@ -4964,7 +4891,7 @@
               </a:r>
             </a:p>
             <a:p>
-              <a:pPr>
+              <a:pPr marL="228600" indent="-228600">
                 <a:buFont typeface="Arial" pitchFamily="34" charset="0"/>
                 <a:buChar char="•"/>
               </a:pPr>
@@ -4977,7 +4904,7 @@
               </a:r>
             </a:p>
             <a:p>
-              <a:pPr>
+              <a:pPr marL="228600" indent="-228600">
                 <a:buFont typeface="Arial" pitchFamily="34" charset="0"/>
                 <a:buChar char="•"/>
               </a:pPr>
@@ -4990,7 +4917,7 @@
               </a:r>
             </a:p>
             <a:p>
-              <a:pPr>
+              <a:pPr marL="228600" indent="-228600">
                 <a:buFont typeface="Arial" pitchFamily="34" charset="0"/>
                 <a:buChar char="•"/>
               </a:pPr>
@@ -5003,7 +4930,7 @@
               </a:r>
             </a:p>
             <a:p>
-              <a:pPr>
+              <a:pPr marL="228600" indent="-228600">
                 <a:buFont typeface="Arial" pitchFamily="34" charset="0"/>
                 <a:buChar char="•"/>
               </a:pPr>
@@ -5016,7 +4943,7 @@
               </a:r>
             </a:p>
             <a:p>
-              <a:pPr>
+              <a:pPr marL="228600" indent="-228600">
                 <a:buFont typeface="Arial" pitchFamily="34" charset="0"/>
                 <a:buChar char="•"/>
               </a:pPr>
@@ -5044,7 +4971,7 @@
               </a:r>
             </a:p>
             <a:p>
-              <a:pPr>
+              <a:pPr marL="236538" indent="-236538">
                 <a:buFont typeface="Arial" pitchFamily="34" charset="0"/>
                 <a:buChar char="•"/>
               </a:pPr>
@@ -5055,10 +4982,6 @@
                 </a:rPr>
                 <a:t>Receives data from the mesh network and relays data to the controller.</a:t>
               </a:r>
-              <a:endParaRPr lang="en-US" sz="3200" dirty="0" smtClean="0">
-                <a:ea typeface="Ebrima" pitchFamily="2" charset="0"/>
-                <a:cs typeface="Ebrima" pitchFamily="2" charset="0"/>
-              </a:endParaRPr>
             </a:p>
           </p:txBody>
         </p:sp>
@@ -5599,7 +5522,6 @@
             <a:schemeClr val="accent3">
               <a:lumMod val="20000"/>
               <a:lumOff val="80000"/>
-              <a:alpha val="70000"/>
             </a:schemeClr>
           </a:solidFill>
           <a:ln>
@@ -6060,17 +5982,8 @@
               <a:pPr algn="just"/>
               <a:r>
                 <a:rPr lang="en-US" sz="3200" dirty="0" smtClean="0"/>
-                <a:t>We </a:t>
+                <a:t>We based our system on RF signal strength because alternative choices such as GPS, IR, and Acoustics either cannot work indoors, or requires line of sight. Also, low power RF transceivers are readily available.</a:t>
               </a:r>
-              <a:r>
-                <a:rPr lang="en-US" sz="3200" dirty="0" smtClean="0"/>
-                <a:t>based our system on RF signal strength because alternative choices such as GPS, IR, and Acoustics either cannot work indoors, or requires line of sight. Also, low power RF transceivers are readily available</a:t>
-              </a:r>
-              <a:r>
-                <a:rPr lang="en-US" sz="3200" dirty="0" smtClean="0"/>
-                <a:t>.</a:t>
-              </a:r>
-              <a:endParaRPr lang="en-US" sz="3200" dirty="0" smtClean="0"/>
             </a:p>
             <a:p>
               <a:pPr algn="just"/>

--- a/Docs/TIU_Tracking_Poster_v8.pptx
+++ b/Docs/TIU_Tracking_Poster_v8.pptx
@@ -263,19 +263,19 @@
                   <c:v>5.7647366349139375</c:v>
                 </c:pt>
                 <c:pt idx="2">
-                  <c:v>5.6505872015054708</c:v>
+                  <c:v>5.650587201505469</c:v>
                 </c:pt>
                 <c:pt idx="3">
                   <c:v>5.5386980783198174</c:v>
                 </c:pt>
                 <c:pt idx="4">
-                  <c:v>5.4290245082157469</c:v>
+                  <c:v>5.429024508215746</c:v>
                 </c:pt>
                 <c:pt idx="5">
                   <c:v>5.3215226203029449</c:v>
                 </c:pt>
                 <c:pt idx="6">
-                  <c:v>5.2161494123928502</c:v>
+                  <c:v>5.2161494123928511</c:v>
                 </c:pt>
                 <c:pt idx="7">
                   <c:v>5.1128627337972681</c:v>
@@ -284,13 +284,13 @@
                   <c:v>5.011621268467632</c:v>
                 </c:pt>
                 <c:pt idx="9">
-                  <c:v>4.9123845184678787</c:v>
+                  <c:v>4.9123845184678778</c:v>
                 </c:pt>
                 <c:pt idx="10">
                   <c:v>4.8151127877748712</c:v>
                 </c:pt>
                 <c:pt idx="11">
-                  <c:v>4.7197671663993308</c:v>
+                  <c:v>4.7197671663993317</c:v>
                 </c:pt>
                 <c:pt idx="12">
                   <c:v>4.6263095148213971</c:v>
@@ -308,10 +308,10 @@
                   <c:v>4.2706219365756581</c:v>
                 </c:pt>
                 <c:pt idx="17">
-                  <c:v>4.1860579564261773</c:v>
+                  <c:v>4.1860579564261764</c:v>
                 </c:pt>
                 <c:pt idx="18">
-                  <c:v>4.1031684552741483</c:v>
+                  <c:v>4.1031684552741492</c:v>
                 </c:pt>
                 <c:pt idx="19">
                   <c:v>4.0219202762138355</c:v>
@@ -320,10 +320,10 @@
                   <c:v>3.9422809188903405</c:v>
                 </c:pt>
                 <c:pt idx="21">
-                  <c:v>3.8642185264988425</c:v>
+                  <c:v>3.864218526498842</c:v>
                 </c:pt>
                 <c:pt idx="22">
-                  <c:v>3.7877018730415624</c:v>
+                  <c:v>3.7877018730415632</c:v>
                 </c:pt>
                 <c:pt idx="23">
                   <c:v>3.7127003508368448</c:v>
@@ -332,7 +332,7 @@
                   <c:v>3.6391839582758005</c:v>
                 </c:pt>
                 <c:pt idx="25">
-                  <c:v>3.5671232878211749</c:v>
+                  <c:v>3.5671232878211758</c:v>
                 </c:pt>
                 <c:pt idx="26">
                   <c:v>3.4964895142439367</c:v>
@@ -351,11 +351,11 @@
           </c:yVal>
           <c:smooth val="1"/>
         </c:ser>
-        <c:axId val="48450560"/>
-        <c:axId val="50603136"/>
+        <c:axId val="77493376"/>
+        <c:axId val="77495296"/>
       </c:scatterChart>
       <c:valAx>
-        <c:axId val="48450560"/>
+        <c:axId val="77493376"/>
         <c:scaling>
           <c:orientation val="minMax"/>
         </c:scaling>
@@ -385,12 +385,12 @@
         </c:title>
         <c:numFmt formatCode="General" sourceLinked="1"/>
         <c:tickLblPos val="nextTo"/>
-        <c:crossAx val="50603136"/>
+        <c:crossAx val="77495296"/>
         <c:crosses val="autoZero"/>
         <c:crossBetween val="midCat"/>
       </c:valAx>
       <c:valAx>
-        <c:axId val="50603136"/>
+        <c:axId val="77495296"/>
         <c:scaling>
           <c:orientation val="minMax"/>
         </c:scaling>
@@ -417,7 +417,7 @@
         </c:title>
         <c:numFmt formatCode="General" sourceLinked="1"/>
         <c:tickLblPos val="nextTo"/>
-        <c:crossAx val="48450560"/>
+        <c:crossAx val="77493376"/>
         <c:crosses val="autoZero"/>
         <c:crossBetween val="midCat"/>
       </c:valAx>
@@ -614,7 +614,7 @@
             <a:fld id="{CFC2CE3F-1D0C-4868-9201-9CC45E6C1390}" type="datetimeFigureOut">
               <a:rPr lang="en-US" smtClean="0"/>
               <a:pPr/>
-              <a:t>5/20/2011</a:t>
+              <a:t>5/21/2011</a:t>
             </a:fld>
             <a:endParaRPr lang="en-US" dirty="0"/>
           </a:p>
@@ -781,7 +781,7 @@
             <a:fld id="{CFC2CE3F-1D0C-4868-9201-9CC45E6C1390}" type="datetimeFigureOut">
               <a:rPr lang="en-US" smtClean="0"/>
               <a:pPr/>
-              <a:t>5/20/2011</a:t>
+              <a:t>5/21/2011</a:t>
             </a:fld>
             <a:endParaRPr lang="en-US" dirty="0"/>
           </a:p>
@@ -958,7 +958,7 @@
             <a:fld id="{CFC2CE3F-1D0C-4868-9201-9CC45E6C1390}" type="datetimeFigureOut">
               <a:rPr lang="en-US" smtClean="0"/>
               <a:pPr/>
-              <a:t>5/20/2011</a:t>
+              <a:t>5/21/2011</a:t>
             </a:fld>
             <a:endParaRPr lang="en-US" dirty="0"/>
           </a:p>
@@ -1125,7 +1125,7 @@
             <a:fld id="{CFC2CE3F-1D0C-4868-9201-9CC45E6C1390}" type="datetimeFigureOut">
               <a:rPr lang="en-US" smtClean="0"/>
               <a:pPr/>
-              <a:t>5/20/2011</a:t>
+              <a:t>5/21/2011</a:t>
             </a:fld>
             <a:endParaRPr lang="en-US" dirty="0"/>
           </a:p>
@@ -1368,7 +1368,7 @@
             <a:fld id="{CFC2CE3F-1D0C-4868-9201-9CC45E6C1390}" type="datetimeFigureOut">
               <a:rPr lang="en-US" smtClean="0"/>
               <a:pPr/>
-              <a:t>5/20/2011</a:t>
+              <a:t>5/21/2011</a:t>
             </a:fld>
             <a:endParaRPr lang="en-US" dirty="0"/>
           </a:p>
@@ -1653,7 +1653,7 @@
             <a:fld id="{CFC2CE3F-1D0C-4868-9201-9CC45E6C1390}" type="datetimeFigureOut">
               <a:rPr lang="en-US" smtClean="0"/>
               <a:pPr/>
-              <a:t>5/20/2011</a:t>
+              <a:t>5/21/2011</a:t>
             </a:fld>
             <a:endParaRPr lang="en-US" dirty="0"/>
           </a:p>
@@ -2072,7 +2072,7 @@
             <a:fld id="{CFC2CE3F-1D0C-4868-9201-9CC45E6C1390}" type="datetimeFigureOut">
               <a:rPr lang="en-US" smtClean="0"/>
               <a:pPr/>
-              <a:t>5/20/2011</a:t>
+              <a:t>5/21/2011</a:t>
             </a:fld>
             <a:endParaRPr lang="en-US" dirty="0"/>
           </a:p>
@@ -2187,7 +2187,7 @@
             <a:fld id="{CFC2CE3F-1D0C-4868-9201-9CC45E6C1390}" type="datetimeFigureOut">
               <a:rPr lang="en-US" smtClean="0"/>
               <a:pPr/>
-              <a:t>5/20/2011</a:t>
+              <a:t>5/21/2011</a:t>
             </a:fld>
             <a:endParaRPr lang="en-US" dirty="0"/>
           </a:p>
@@ -2279,7 +2279,7 @@
             <a:fld id="{CFC2CE3F-1D0C-4868-9201-9CC45E6C1390}" type="datetimeFigureOut">
               <a:rPr lang="en-US" smtClean="0"/>
               <a:pPr/>
-              <a:t>5/20/2011</a:t>
+              <a:t>5/21/2011</a:t>
             </a:fld>
             <a:endParaRPr lang="en-US" dirty="0"/>
           </a:p>
@@ -2553,7 +2553,7 @@
             <a:fld id="{CFC2CE3F-1D0C-4868-9201-9CC45E6C1390}" type="datetimeFigureOut">
               <a:rPr lang="en-US" smtClean="0"/>
               <a:pPr/>
-              <a:t>5/20/2011</a:t>
+              <a:t>5/21/2011</a:t>
             </a:fld>
             <a:endParaRPr lang="en-US" dirty="0"/>
           </a:p>
@@ -2803,7 +2803,7 @@
             <a:fld id="{CFC2CE3F-1D0C-4868-9201-9CC45E6C1390}" type="datetimeFigureOut">
               <a:rPr lang="en-US" smtClean="0"/>
               <a:pPr/>
-              <a:t>5/20/2011</a:t>
+              <a:t>5/21/2011</a:t>
             </a:fld>
             <a:endParaRPr lang="en-US" dirty="0"/>
           </a:p>
@@ -3013,7 +3013,7 @@
             <a:fld id="{CFC2CE3F-1D0C-4868-9201-9CC45E6C1390}" type="datetimeFigureOut">
               <a:rPr lang="en-US" smtClean="0"/>
               <a:pPr/>
-              <a:t>5/20/2011</a:t>
+              <a:t>5/21/2011</a:t>
             </a:fld>
             <a:endParaRPr lang="en-US" dirty="0"/>
           </a:p>
@@ -8265,6 +8265,155 @@
           </p:spPr>
         </p:pic>
       </p:grpSp>
+      <p:sp>
+        <p:nvSpPr>
+          <p:cNvPr id="164" name="Rectangle 163"/>
+          <p:cNvSpPr/>
+          <p:nvPr/>
+        </p:nvSpPr>
+        <p:spPr>
+          <a:xfrm>
+            <a:off x="-609600" y="21945600"/>
+            <a:ext cx="21945600" cy="4216539"/>
+          </a:xfrm>
+          <a:prstGeom prst="rect">
+            <a:avLst/>
+          </a:prstGeom>
+        </p:spPr>
+        <p:txBody>
+          <a:bodyPr>
+            <a:spAutoFit/>
+          </a:bodyPr>
+          <a:lstStyle/>
+          <a:p>
+            <a:pPr algn="just"/>
+            <a:endParaRPr lang="en-US" sz="3200" dirty="0" smtClean="0"/>
+          </a:p>
+          <a:p>
+            <a:pPr algn="just"/>
+            <a:endParaRPr lang="en-US" sz="3200" dirty="0" smtClean="0"/>
+          </a:p>
+          <a:p>
+            <a:pPr algn="just"/>
+            <a:endParaRPr lang="en-US" sz="3200" dirty="0" smtClean="0"/>
+          </a:p>
+          <a:p>
+            <a:pPr algn="just"/>
+            <a:endParaRPr lang="en-US" sz="3200" dirty="0" smtClean="0"/>
+          </a:p>
+          <a:p>
+            <a:pPr marL="731520" lvl="1"/>
+            <a:r>
+              <a:rPr lang="en-US" sz="2800" dirty="0" smtClean="0"/>
+              <a:t>where</a:t>
+            </a:r>
+          </a:p>
+          <a:p>
+            <a:pPr marL="731520" lvl="1" indent="-225425">
+              <a:buFont typeface="Arial" pitchFamily="34" charset="0"/>
+              <a:buChar char="•"/>
+            </a:pPr>
+            <a:r>
+              <a:rPr lang="en-US" sz="2800" i="1" dirty="0" smtClean="0">
+                <a:latin typeface="Cambria Math" pitchFamily="18" charset="0"/>
+                <a:ea typeface="Cambria Math" pitchFamily="18" charset="0"/>
+              </a:rPr>
+              <a:t>d</a:t>
+            </a:r>
+            <a:r>
+              <a:rPr lang="en-US" sz="2800" dirty="0" smtClean="0"/>
+              <a:t>  is the Euclidean distance between calibrated RSSI vectors and located RSSI vector.</a:t>
+            </a:r>
+          </a:p>
+          <a:p>
+            <a:pPr marL="731520" lvl="1" indent="-225425">
+              <a:buFont typeface="Arial" pitchFamily="34" charset="0"/>
+              <a:buChar char="•"/>
+            </a:pPr>
+            <a:r>
+              <a:rPr lang="en-US" sz="2800" i="1" dirty="0" err="1" smtClean="0">
+                <a:latin typeface="Cambria Math" pitchFamily="18" charset="0"/>
+                <a:ea typeface="Cambria Math" pitchFamily="18" charset="0"/>
+              </a:rPr>
+              <a:t>S</a:t>
+            </a:r>
+            <a:r>
+              <a:rPr lang="en-US" sz="2800" i="1" baseline="-25000" dirty="0" err="1" smtClean="0">
+                <a:latin typeface="Cambria Math" pitchFamily="18" charset="0"/>
+                <a:ea typeface="Cambria Math" pitchFamily="18" charset="0"/>
+              </a:rPr>
+              <a:t>ci</a:t>
+            </a:r>
+            <a:r>
+              <a:rPr lang="en-US" sz="2800" dirty="0" smtClean="0"/>
+              <a:t> is RSSI value received by detector </a:t>
+            </a:r>
+            <a:r>
+              <a:rPr lang="en-US" sz="2800" i="1" dirty="0" err="1" smtClean="0">
+                <a:latin typeface="Cambria Math" pitchFamily="18" charset="0"/>
+                <a:ea typeface="Cambria Math" pitchFamily="18" charset="0"/>
+              </a:rPr>
+              <a:t>i</a:t>
+            </a:r>
+            <a:r>
+              <a:rPr lang="en-US" sz="2800" dirty="0" smtClean="0"/>
+              <a:t>  in calibrating phase</a:t>
+            </a:r>
+          </a:p>
+          <a:p>
+            <a:pPr marL="731520" lvl="1" indent="-225425">
+              <a:buFont typeface="Arial" pitchFamily="34" charset="0"/>
+              <a:buChar char="•"/>
+            </a:pPr>
+            <a:r>
+              <a:rPr lang="en-US" sz="2800" i="1" dirty="0" err="1" smtClean="0">
+                <a:latin typeface="Cambria Math" pitchFamily="18" charset="0"/>
+                <a:ea typeface="Cambria Math" pitchFamily="18" charset="0"/>
+              </a:rPr>
+              <a:t>S</a:t>
+            </a:r>
+            <a:r>
+              <a:rPr lang="en-US" sz="2800" i="1" baseline="-25000" dirty="0" err="1" smtClean="0">
+                <a:latin typeface="Cambria Math" pitchFamily="18" charset="0"/>
+                <a:ea typeface="Cambria Math" pitchFamily="18" charset="0"/>
+              </a:rPr>
+              <a:t>li</a:t>
+            </a:r>
+            <a:r>
+              <a:rPr lang="en-US" sz="2800" dirty="0" smtClean="0"/>
+              <a:t> is RSSI value received by detector </a:t>
+            </a:r>
+            <a:r>
+              <a:rPr lang="en-US" sz="2800" i="1" dirty="0" err="1" smtClean="0">
+                <a:latin typeface="Cambria Math" pitchFamily="18" charset="0"/>
+                <a:ea typeface="Cambria Math" pitchFamily="18" charset="0"/>
+              </a:rPr>
+              <a:t>i</a:t>
+            </a:r>
+            <a:r>
+              <a:rPr lang="en-US" sz="2800" dirty="0" smtClean="0"/>
+              <a:t>  in locating phase</a:t>
+            </a:r>
+          </a:p>
+          <a:p>
+            <a:pPr marL="731520" lvl="1" indent="-225425">
+              <a:buFont typeface="Arial" pitchFamily="34" charset="0"/>
+              <a:buChar char="•"/>
+            </a:pPr>
+            <a:r>
+              <a:rPr lang="en-US" sz="2800" i="1" dirty="0" smtClean="0">
+                <a:latin typeface="Cambria Math" pitchFamily="18" charset="0"/>
+                <a:ea typeface="Cambria Math" pitchFamily="18" charset="0"/>
+              </a:rPr>
+              <a:t>N</a:t>
+            </a:r>
+            <a:r>
+              <a:rPr lang="en-US" sz="2800" dirty="0" smtClean="0"/>
+              <a:t>  is the number of detectors participating into the locating phase</a:t>
+            </a:r>
+          </a:p>
+        </p:txBody>
+      </p:sp>
     </p:spTree>
   </p:cSld>
   <p:clrMapOvr>
